--- a/Slides/PythonArcadeStep9MultipleLevelsAndOtherLayers.pptx
+++ b/Slides/PythonArcadeStep9MultipleLevelsAndOtherLayers.pptx
@@ -259,7 +259,7 @@
           <a:p>
             <a:fld id="{095922B8-2402-4D07-8CC1-A7973D5DEA1D}" type="datetimeFigureOut">
               <a:rPr lang="en-US" smtClean="0"/>
-              <a:t>09-Apr-21</a:t>
+              <a:t>10-Apr-21</a:t>
             </a:fld>
             <a:endParaRPr lang="en-US"/>
           </a:p>
@@ -932,7 +932,7 @@
           <a:p>
             <a:fld id="{E2BFE950-A675-4D2F-BC24-F20C16678C63}" type="datetimeFigureOut">
               <a:rPr lang="en-US" smtClean="0"/>
-              <a:t>09-Apr-21</a:t>
+              <a:t>10-Apr-21</a:t>
             </a:fld>
             <a:endParaRPr lang="en-US"/>
           </a:p>
@@ -1235,7 +1235,7 @@
           <a:p>
             <a:fld id="{E2BFE950-A675-4D2F-BC24-F20C16678C63}" type="datetimeFigureOut">
               <a:rPr lang="en-US" smtClean="0"/>
-              <a:t>09-Apr-21</a:t>
+              <a:t>10-Apr-21</a:t>
             </a:fld>
             <a:endParaRPr lang="en-US"/>
           </a:p>
@@ -1404,7 +1404,7 @@
           <a:p>
             <a:fld id="{E2BFE950-A675-4D2F-BC24-F20C16678C63}" type="datetimeFigureOut">
               <a:rPr lang="en-US" smtClean="0"/>
-              <a:t>09-Apr-21</a:t>
+              <a:t>10-Apr-21</a:t>
             </a:fld>
             <a:endParaRPr lang="en-US"/>
           </a:p>
@@ -1578,7 +1578,7 @@
           <a:p>
             <a:fld id="{E2BFE950-A675-4D2F-BC24-F20C16678C63}" type="datetimeFigureOut">
               <a:rPr lang="en-US" smtClean="0"/>
-              <a:t>09-Apr-21</a:t>
+              <a:t>10-Apr-21</a:t>
             </a:fld>
             <a:endParaRPr lang="en-US"/>
           </a:p>
@@ -1741,7 +1741,7 @@
           <a:p>
             <a:fld id="{E2BFE950-A675-4D2F-BC24-F20C16678C63}" type="datetimeFigureOut">
               <a:rPr lang="en-US" smtClean="0"/>
-              <a:t>09-Apr-21</a:t>
+              <a:t>10-Apr-21</a:t>
             </a:fld>
             <a:endParaRPr lang="en-US"/>
           </a:p>
@@ -1914,7 +1914,7 @@
           <a:p>
             <a:fld id="{E2BFE950-A675-4D2F-BC24-F20C16678C63}" type="datetimeFigureOut">
               <a:rPr lang="en-US" smtClean="0"/>
-              <a:t>09-Apr-21</a:t>
+              <a:t>10-Apr-21</a:t>
             </a:fld>
             <a:endParaRPr lang="en-US"/>
           </a:p>
@@ -2203,7 +2203,7 @@
           <a:p>
             <a:fld id="{E2BFE950-A675-4D2F-BC24-F20C16678C63}" type="datetimeFigureOut">
               <a:rPr lang="en-US" smtClean="0"/>
-              <a:t>09-Apr-21</a:t>
+              <a:t>10-Apr-21</a:t>
             </a:fld>
             <a:endParaRPr lang="en-US"/>
           </a:p>
@@ -2527,7 +2527,7 @@
           <a:p>
             <a:fld id="{E2BFE950-A675-4D2F-BC24-F20C16678C63}" type="datetimeFigureOut">
               <a:rPr lang="en-US" smtClean="0"/>
-              <a:t>09-Apr-21</a:t>
+              <a:t>10-Apr-21</a:t>
             </a:fld>
             <a:endParaRPr lang="en-US"/>
           </a:p>
@@ -2951,7 +2951,7 @@
           <a:p>
             <a:fld id="{E2BFE950-A675-4D2F-BC24-F20C16678C63}" type="datetimeFigureOut">
               <a:rPr lang="en-US" smtClean="0"/>
-              <a:t>09-Apr-21</a:t>
+              <a:t>10-Apr-21</a:t>
             </a:fld>
             <a:endParaRPr lang="en-US"/>
           </a:p>
@@ -3124,7 +3124,7 @@
           <a:p>
             <a:fld id="{E2BFE950-A675-4D2F-BC24-F20C16678C63}" type="datetimeFigureOut">
               <a:rPr lang="en-US" smtClean="0"/>
-              <a:t>09-Apr-21</a:t>
+              <a:t>10-Apr-21</a:t>
             </a:fld>
             <a:endParaRPr lang="en-US"/>
           </a:p>
@@ -3214,7 +3214,7 @@
           <a:p>
             <a:fld id="{E2BFE950-A675-4D2F-BC24-F20C16678C63}" type="datetimeFigureOut">
               <a:rPr lang="en-US" smtClean="0"/>
-              <a:t>09-Apr-21</a:t>
+              <a:t>10-Apr-21</a:t>
             </a:fld>
             <a:endParaRPr lang="en-US"/>
           </a:p>
@@ -3493,7 +3493,7 @@
           <a:p>
             <a:fld id="{E2BFE950-A675-4D2F-BC24-F20C16678C63}" type="datetimeFigureOut">
               <a:rPr lang="en-US" smtClean="0"/>
-              <a:t>09-Apr-21</a:t>
+              <a:t>10-Apr-21</a:t>
             </a:fld>
             <a:endParaRPr lang="en-US"/>
           </a:p>
@@ -3740,7 +3740,7 @@
           <a:p>
             <a:fld id="{E2BFE950-A675-4D2F-BC24-F20C16678C63}" type="datetimeFigureOut">
               <a:rPr lang="en-US" smtClean="0"/>
-              <a:t>09-Apr-21</a:t>
+              <a:t>10-Apr-21</a:t>
             </a:fld>
             <a:endParaRPr lang="en-US"/>
           </a:p>
@@ -4326,9 +4326,10 @@
           <a:lstStyle/>
           <a:p>
             <a:r>
-              <a:rPr lang="en-US" dirty="0"/>
-              <a:t>Instructor: Rob Garner</a:t>
-            </a:r>
+              <a:rPr lang="en-US"/>
+              <a:t>Instructor: Rob Garner (rgarner7@cnm.edu)</a:t>
+            </a:r>
+            <a:endParaRPr lang="en-US" dirty="0"/>
           </a:p>
         </p:txBody>
       </p:sp>
